--- a/Course 5 - Deep Learning and Reinforcement Learning/Brain Tumour Detection.pptx
+++ b/Course 5 - Deep Learning and Reinforcement Learning/Brain Tumour Detection.pptx
@@ -124,6 +124,11 @@
       </a:defRPr>
     </a:lvl9pPr>
   </p:defaultTextStyle>
+  <p:extLst>
+    <p:ext uri="{EFAFB233-063F-42B5-8137-9DF3F51BA10A}">
+      <p15:sldGuideLst xmlns:p15="http://schemas.microsoft.com/office/powerpoint/2012/main"/>
+    </p:ext>
+  </p:extLst>
 </p:presentation>
 </file>
 
@@ -17702,7 +17707,7 @@
         </p:nvSpPr>
         <p:spPr>
           <a:xfrm>
-            <a:off x="581040" y="2112120"/>
+            <a:off x="581040" y="2103155"/>
             <a:ext cx="10399680" cy="3634200"/>
           </a:xfrm>
           <a:prstGeom prst="rect">
@@ -17737,15 +17742,15 @@
               <a:buChar char=""/>
             </a:pPr>
             <a:r>
-              <a:rPr lang="en-GB" sz="1600" b="0" strike="noStrike" spc="-1">
+              <a:rPr lang="en-GB" sz="1600" b="0" strike="noStrike" spc="-1" dirty="0">
                 <a:solidFill>
                   <a:srgbClr val="404040"/>
                 </a:solidFill>
                 <a:latin typeface="Franklin Gothic Book"/>
               </a:rPr>
-              <a:t>This analysis' primary goal is to cluster tumors into benign or maligant </a:t>
+              <a:t>This analysis' primary goal is to cluster tumours into benign or malignant </a:t>
             </a:r>
-            <a:endParaRPr lang="en-US" sz="1600" b="0" strike="noStrike" spc="-1">
+            <a:endParaRPr lang="en-US" sz="1600" b="0" strike="noStrike" spc="-1" dirty="0">
               <a:solidFill>
                 <a:srgbClr val="404040"/>
               </a:solidFill>
@@ -17771,7 +17776,7 @@
               <a:buChar char=""/>
             </a:pPr>
             <a:r>
-              <a:rPr lang="en-GB" sz="1600" b="0" strike="noStrike" spc="-1">
+              <a:rPr lang="en-GB" sz="1600" b="0" strike="noStrike" spc="-1" dirty="0">
                 <a:solidFill>
                   <a:srgbClr val="404040"/>
                 </a:solidFill>
@@ -17779,7 +17784,7 @@
               </a:rPr>
               <a:t>So clustering is the main target analysis for our deep learning</a:t>
             </a:r>
-            <a:endParaRPr lang="en-US" sz="1600" b="0" strike="noStrike" spc="-1">
+            <a:endParaRPr lang="en-US" sz="1600" b="0" strike="noStrike" spc="-1" dirty="0">
               <a:solidFill>
                 <a:srgbClr val="404040"/>
               </a:solidFill>
@@ -17805,7 +17810,7 @@
               <a:buChar char=""/>
             </a:pPr>
             <a:r>
-              <a:rPr lang="en-GB" sz="1600" b="0" strike="noStrike" spc="-1">
+              <a:rPr lang="en-GB" sz="1600" b="0" strike="noStrike" spc="-1" dirty="0">
                 <a:solidFill>
                   <a:srgbClr val="404040"/>
                 </a:solidFill>
@@ -17813,7 +17818,7 @@
               </a:rPr>
               <a:t>Show the correlation between the features &amp; the most features with impact.</a:t>
             </a:r>
-            <a:endParaRPr lang="en-US" sz="1600" b="0" strike="noStrike" spc="-1">
+            <a:endParaRPr lang="en-US" sz="1600" b="0" strike="noStrike" spc="-1" dirty="0">
               <a:solidFill>
                 <a:srgbClr val="404040"/>
               </a:solidFill>
@@ -17839,7 +17844,7 @@
               <a:buChar char=""/>
             </a:pPr>
             <a:r>
-              <a:rPr lang="en-GB" sz="1600" b="0" strike="noStrike" spc="-1">
+              <a:rPr lang="en-GB" sz="1600" b="0" strike="noStrike" spc="-1" dirty="0">
                 <a:solidFill>
                   <a:srgbClr val="404040"/>
                 </a:solidFill>
@@ -17847,7 +17852,7 @@
               </a:rPr>
               <a:t>Validate the clusters with binary classification.</a:t>
             </a:r>
-            <a:endParaRPr lang="en-US" sz="1600" b="0" strike="noStrike" spc="-1">
+            <a:endParaRPr lang="en-US" sz="1600" b="0" strike="noStrike" spc="-1" dirty="0">
               <a:solidFill>
                 <a:srgbClr val="404040"/>
               </a:solidFill>
